--- a/Doc/#10 - 3rd day - Hackathon Presentation.pptx
+++ b/Doc/#10 - 3rd day - Hackathon Presentation.pptx
@@ -5812,7 +5812,7 @@
             </a:pPr>
             <a:r>
               <a:rPr lang="en-GB" dirty="0"/>
-              <a:t>Finish the implementation if the prototype</a:t>
+              <a:t>Finish the implementation of the prototype</a:t>
             </a:r>
           </a:p>
           <a:p>
